--- a/MLLab_Pipelines_MLib_Spark.pptx
+++ b/MLLab_Pipelines_MLib_Spark.pptx
@@ -242,7 +242,7 @@
           <a:p>
             <a:fld id="{C62E9F02-560A-41EA-B216-7E4154C73177}" type="datetimeFigureOut">
               <a:rPr lang="en-US" smtClean="0"/>
-              <a:t>12/18/2017</a:t>
+              <a:t>12/17/2018</a:t>
             </a:fld>
             <a:endParaRPr lang="en-US"/>
           </a:p>
@@ -407,7 +407,7 @@
           <a:p>
             <a:fld id="{3379F21D-16A6-4D82-9FEE-4E31B3E549D5}" type="datetimeFigureOut">
               <a:rPr lang="en-US" smtClean="0"/>
-              <a:t>12/18/2017</a:t>
+              <a:t>12/17/2018</a:t>
             </a:fld>
             <a:endParaRPr lang="en-US"/>
           </a:p>
@@ -1160,7 +1160,7 @@
           <a:p>
             <a:fld id="{33327633-AFB9-4F33-B41F-8AD159A004D3}" type="datetime1">
               <a:rPr lang="es-ES" smtClean="0"/>
-              <a:t>18/12/2017</a:t>
+              <a:t>17/12/2018</a:t>
             </a:fld>
             <a:endParaRPr lang="es-ES"/>
           </a:p>
@@ -1335,7 +1335,7 @@
           <a:p>
             <a:fld id="{5EDED96D-0377-4EC9-9BF1-2C3C416E1A1F}" type="datetime1">
               <a:rPr lang="es-ES" smtClean="0"/>
-              <a:t>18/12/2017</a:t>
+              <a:t>17/12/2018</a:t>
             </a:fld>
             <a:endParaRPr lang="es-ES"/>
           </a:p>
@@ -1556,7 +1556,7 @@
           <a:p>
             <a:fld id="{348ECE8D-65F6-4B01-BAA8-9F200C3C1CA9}" type="datetime1">
               <a:rPr lang="es-ES" smtClean="0"/>
-              <a:t>18/12/2017</a:t>
+              <a:t>17/12/2018</a:t>
             </a:fld>
             <a:endParaRPr lang="es-ES"/>
           </a:p>
@@ -1680,17 +1680,7 @@
                   </a:schemeClr>
                 </a:solidFill>
               </a:rPr>
-              <a:t> / </a:t>
-            </a:r>
-            <a:r>
-              <a:rPr lang="en-US" sz="1200" dirty="0" smtClean="0">
-                <a:solidFill>
-                  <a:schemeClr val="bg1">
-                    <a:lumMod val="50000"/>
-                  </a:schemeClr>
-                </a:solidFill>
-              </a:rPr>
-              <a:t>18</a:t>
+              <a:t> / 18</a:t>
             </a:r>
             <a:endParaRPr lang="en-US" sz="1200" dirty="0">
               <a:solidFill>
@@ -1895,7 +1885,7 @@
           <a:p>
             <a:fld id="{CE464452-56B2-4765-A1B3-8D57FA7ABF8A}" type="datetime1">
               <a:rPr lang="es-ES" smtClean="0"/>
-              <a:t>18/12/2017</a:t>
+              <a:t>17/12/2018</a:t>
             </a:fld>
             <a:endParaRPr lang="es-ES"/>
           </a:p>
@@ -2178,7 +2168,7 @@
           <a:p>
             <a:fld id="{BE0DB460-F920-4154-877A-0B4195851878}" type="datetime1">
               <a:rPr lang="es-ES" smtClean="0"/>
-              <a:t>18/12/2017</a:t>
+              <a:t>17/12/2018</a:t>
             </a:fld>
             <a:endParaRPr lang="es-ES"/>
           </a:p>
@@ -2595,7 +2585,7 @@
           <a:p>
             <a:fld id="{65372F18-9E5C-4AB7-A095-C3C7BADBB447}" type="datetime1">
               <a:rPr lang="es-ES" smtClean="0"/>
-              <a:t>18/12/2017</a:t>
+              <a:t>17/12/2018</a:t>
             </a:fld>
             <a:endParaRPr lang="es-ES"/>
           </a:p>
@@ -2750,7 +2740,7 @@
           <a:p>
             <a:fld id="{1F20EDA0-563C-467B-A901-2E2AD3F7C09E}" type="datetime1">
               <a:rPr lang="es-ES" smtClean="0"/>
-              <a:t>18/12/2017</a:t>
+              <a:t>17/12/2018</a:t>
             </a:fld>
             <a:endParaRPr lang="es-ES"/>
           </a:p>
@@ -2840,7 +2830,7 @@
           <a:p>
             <a:fld id="{44DD5EA1-2156-4D2B-8F6F-606C634C3F68}" type="datetime1">
               <a:rPr lang="es-ES" smtClean="0"/>
-              <a:t>18/12/2017</a:t>
+              <a:t>17/12/2018</a:t>
             </a:fld>
             <a:endParaRPr lang="es-ES"/>
           </a:p>
@@ -3112,7 +3102,7 @@
           <a:p>
             <a:fld id="{87CCAB71-D589-4C7E-BB38-EAAB0D0DDA68}" type="datetime1">
               <a:rPr lang="es-ES" smtClean="0"/>
-              <a:t>18/12/2017</a:t>
+              <a:t>17/12/2018</a:t>
             </a:fld>
             <a:endParaRPr lang="es-ES"/>
           </a:p>
@@ -3360,7 +3350,7 @@
           <a:p>
             <a:fld id="{41B952DF-7918-4EBF-AD1C-8C382A29E8CA}" type="datetime1">
               <a:rPr lang="es-ES" smtClean="0"/>
-              <a:t>18/12/2017</a:t>
+              <a:t>17/12/2018</a:t>
             </a:fld>
             <a:endParaRPr lang="es-ES"/>
           </a:p>
@@ -3568,7 +3558,7 @@
           <a:p>
             <a:fld id="{BAA2229D-6D44-4CBD-9C22-FBB842BB87C1}" type="datetime1">
               <a:rPr lang="es-ES" smtClean="0"/>
-              <a:t>18/12/2017</a:t>
+              <a:t>17/12/2018</a:t>
             </a:fld>
             <a:endParaRPr lang="es-ES"/>
           </a:p>
@@ -4520,7 +4510,7 @@
         </p:blipFill>
         <p:spPr>
           <a:xfrm>
-            <a:off x="0" y="1628800"/>
+            <a:off x="0" y="1916832"/>
             <a:ext cx="9249871" cy="1779859"/>
           </a:xfrm>
           <a:prstGeom prst="rect">
@@ -4546,8 +4536,8 @@
         </p:nvSpPr>
         <p:spPr>
           <a:xfrm>
-            <a:off x="539552" y="476672"/>
-            <a:ext cx="8208912" cy="646331"/>
+            <a:off x="179512" y="260648"/>
+            <a:ext cx="8208912" cy="1354217"/>
           </a:xfrm>
           <a:prstGeom prst="rect">
             <a:avLst/>
@@ -4560,9 +4550,43 @@
           <a:lstStyle/>
           <a:p>
             <a:r>
-              <a:rPr lang="en-US" dirty="0"/>
-              <a:t>https://spark.apache.org/docs/2.2.0/api/python/pyspark.ml.html#pyspark.ml.feature.StringIndexer</a:t>
-            </a:r>
+              <a:rPr lang="es-ES" sz="2800" b="1" dirty="0" smtClean="0"/>
+              <a:t>S</a:t>
+            </a:r>
+            <a:r>
+              <a:rPr lang="en-US" sz="2800" b="1" dirty="0"/>
+              <a:t>tringIndexer </a:t>
+            </a:r>
+          </a:p>
+          <a:p>
+            <a:endParaRPr lang="en-US" dirty="0" smtClean="0">
+              <a:hlinkClick r:id="rId3"/>
+            </a:endParaRPr>
+          </a:p>
+          <a:p>
+            <a:r>
+              <a:rPr lang="en-US" dirty="0" smtClean="0">
+                <a:hlinkClick r:id="rId3"/>
+              </a:rPr>
+              <a:t>https</a:t>
+            </a:r>
+            <a:r>
+              <a:rPr lang="en-US" dirty="0">
+                <a:hlinkClick r:id="rId3"/>
+              </a:rPr>
+              <a:t>://</a:t>
+            </a:r>
+            <a:r>
+              <a:rPr lang="en-US" dirty="0" smtClean="0">
+                <a:hlinkClick r:id="rId3"/>
+              </a:rPr>
+              <a:t>spark.apache.org/docs/2.2.0/api/python/pyspark.ml.html#pyspark.ml.feature.StringIndexer</a:t>
+            </a:r>
+            <a:r>
+              <a:rPr lang="en-US" dirty="0" smtClean="0"/>
+              <a:t> </a:t>
+            </a:r>
+            <a:endParaRPr lang="en-US" dirty="0"/>
           </a:p>
         </p:txBody>
       </p:sp>
@@ -5151,52 +5175,30 @@
           <a:chExt cx="0" cy="0"/>
         </a:xfrm>
       </p:grpSpPr>
-      <p:sp>
-        <p:nvSpPr>
-          <p:cNvPr id="2" name="Rectángulo 1"/>
-          <p:cNvSpPr/>
+      <p:pic>
+        <p:nvPicPr>
+          <p:cNvPr id="4" name="Imagen 3"/>
+          <p:cNvPicPr>
+            <a:picLocks noChangeAspect="1"/>
+          </p:cNvPicPr>
           <p:nvPr/>
-        </p:nvSpPr>
+        </p:nvPicPr>
+        <p:blipFill>
+          <a:blip r:embed="rId2"/>
+          <a:stretch>
+            <a:fillRect/>
+          </a:stretch>
+        </p:blipFill>
         <p:spPr>
           <a:xfrm>
-            <a:off x="755576" y="548680"/>
-            <a:ext cx="7272808" cy="1446550"/>
+            <a:off x="0" y="1340768"/>
+            <a:ext cx="9144000" cy="4186305"/>
           </a:xfrm>
           <a:prstGeom prst="rect">
             <a:avLst/>
           </a:prstGeom>
         </p:spPr>
-        <p:txBody>
-          <a:bodyPr wrap="square">
-            <a:spAutoFit/>
-          </a:bodyPr>
-          <a:lstStyle/>
-          <a:p>
-            <a:r>
-              <a:rPr lang="en-US" sz="3200" b="1" dirty="0"/>
-              <a:t>ML Tuning: model selection and </a:t>
-            </a:r>
-            <a:r>
-              <a:rPr lang="en-US" sz="3200" b="1" dirty="0" err="1"/>
-              <a:t>hyperparameter</a:t>
-            </a:r>
-            <a:r>
-              <a:rPr lang="en-US" sz="3200" b="1" dirty="0"/>
-              <a:t> </a:t>
-            </a:r>
-            <a:r>
-              <a:rPr lang="en-US" sz="3200" b="1" dirty="0" smtClean="0"/>
-              <a:t>tuning</a:t>
-            </a:r>
-          </a:p>
-          <a:p>
-            <a:r>
-              <a:rPr lang="en-US" sz="2400" dirty="0"/>
-              <a:t>https://spark.apache.org/docs/2.1.0/ml-tuning.html</a:t>
-            </a:r>
-          </a:p>
-        </p:txBody>
-      </p:sp>
+      </p:pic>
     </p:spTree>
     <p:extLst>
       <p:ext uri="{BB962C8B-B14F-4D97-AF65-F5344CB8AC3E}">
@@ -5926,8 +5928,8 @@
         </p:nvSpPr>
         <p:spPr bwMode="auto">
           <a:xfrm>
-            <a:off x="971600" y="836712"/>
-            <a:ext cx="7128792" cy="2062103"/>
+            <a:off x="467544" y="1124744"/>
+            <a:ext cx="7848872" cy="1508105"/>
           </a:xfrm>
           <a:prstGeom prst="rect">
             <a:avLst/>
